--- a/thesis_presentation.pptx
+++ b/thesis_presentation.pptx
@@ -8592,8 +8592,8 @@
           </a:p>
         </p:txBody>
       </p:sp>
-      <mc:AlternateContent xmlns:mc="http://schemas.openxmlformats.org/markup-compatibility/2006">
-        <mc:Choice xmlns:a14="http://schemas.microsoft.com/office/drawing/2010/main" Requires="a14">
+      <mc:AlternateContent xmlns:mc="http://schemas.openxmlformats.org/markup-compatibility/2006" xmlns:a14="http://schemas.microsoft.com/office/drawing/2010/main">
+        <mc:Choice Requires="a14">
           <p:sp>
             <p:nvSpPr>
               <p:cNvPr id="9" name="CasellaDiTesto 8">
@@ -8883,7 +8883,7 @@
             </p:txBody>
           </p:sp>
         </mc:Choice>
-        <mc:Fallback>
+        <mc:Fallback xmlns="">
           <p:sp>
             <p:nvSpPr>
               <p:cNvPr id="9" name="CasellaDiTesto 8">
@@ -8928,8 +8928,8 @@
           </p:sp>
         </mc:Fallback>
       </mc:AlternateContent>
-      <mc:AlternateContent xmlns:mc="http://schemas.openxmlformats.org/markup-compatibility/2006">
-        <mc:Choice xmlns:a14="http://schemas.microsoft.com/office/drawing/2010/main" Requires="a14">
+      <mc:AlternateContent xmlns:mc="http://schemas.openxmlformats.org/markup-compatibility/2006" xmlns:a14="http://schemas.microsoft.com/office/drawing/2010/main">
+        <mc:Choice Requires="a14">
           <p:sp>
             <p:nvSpPr>
               <p:cNvPr id="10" name="CasellaDiTesto 9">
@@ -9187,13 +9187,7 @@
                       <a:rPr lang="it-IT" b="0" i="1" smtClean="0">
                         <a:latin typeface="Cambria Math" panose="02040503050406030204" pitchFamily="18" charset="0"/>
                       </a:rPr>
-                      <m:t>&gt;</m:t>
-                    </m:r>
-                    <m:r>
-                      <a:rPr lang="it-IT" b="0" i="1" smtClean="0">
-                        <a:latin typeface="Cambria Math" panose="02040503050406030204" pitchFamily="18" charset="0"/>
-                      </a:rPr>
-                      <m:t>∀</m:t>
+                      <m:t>&gt;∀</m:t>
                     </m:r>
                     <m:sSub>
                       <m:sSubPr>
@@ -9268,7 +9262,7 @@
             </p:txBody>
           </p:sp>
         </mc:Choice>
-        <mc:Fallback>
+        <mc:Fallback xmlns="">
           <p:sp>
             <p:nvSpPr>
               <p:cNvPr id="10" name="CasellaDiTesto 9">
@@ -9579,8 +9573,8 @@
           </a:prstGeom>
         </p:spPr>
       </p:pic>
-      <mc:AlternateContent xmlns:mc="http://schemas.openxmlformats.org/markup-compatibility/2006">
-        <mc:Choice xmlns:a14="http://schemas.microsoft.com/office/drawing/2010/main" Requires="a14">
+      <mc:AlternateContent xmlns:mc="http://schemas.openxmlformats.org/markup-compatibility/2006" xmlns:a14="http://schemas.microsoft.com/office/drawing/2010/main">
+        <mc:Choice Requires="a14">
           <p:sp>
             <p:nvSpPr>
               <p:cNvPr id="7" name="CasellaDiTesto 6">
@@ -9822,7 +9816,7 @@
             </p:txBody>
           </p:sp>
         </mc:Choice>
-        <mc:Fallback>
+        <mc:Fallback xmlns="">
           <p:sp>
             <p:nvSpPr>
               <p:cNvPr id="7" name="CasellaDiTesto 6">
@@ -12117,7 +12111,7 @@
             </p:nvSpPr>
             <p:spPr>
               <a:xfrm>
-                <a:off x="1112521" y="2313341"/>
+                <a:off x="1097280" y="2254805"/>
                 <a:ext cx="5553776" cy="4493538"/>
               </a:xfrm>
               <a:prstGeom prst="rect">
@@ -12375,13 +12369,17 @@
                   <a:rPr lang="it-IT" sz="2000" dirty="0" err="1"/>
                   <a:t>bp</a:t>
                 </a:r>
+                <a:endParaRPr lang="it-IT" sz="2000" dirty="0"/>
+              </a:p>
+              <a:p>
+                <a:pPr marL="742950" lvl="1" indent="-285750">
+                  <a:buFont typeface="Arial" panose="020B0604020202020204" pitchFamily="34" charset="0"/>
+                  <a:buChar char="•"/>
+                </a:pPr>
                 <a:endParaRPr lang="en-US" sz="2000" dirty="0"/>
               </a:p>
               <a:p>
                 <a:pPr marL="342900" indent="-342900">
-                  <a:lnSpc>
-                    <a:spcPct val="150000"/>
-                  </a:lnSpc>
                   <a:buFont typeface="Arial" panose="020B0604020202020204" pitchFamily="34" charset="0"/>
                   <a:buChar char="•"/>
                 </a:pPr>
@@ -12417,7 +12415,7 @@
             </p:nvSpPr>
             <p:spPr>
               <a:xfrm>
-                <a:off x="1112521" y="2313341"/>
+                <a:off x="1097280" y="2254805"/>
                 <a:ext cx="5553776" cy="4493538"/>
               </a:xfrm>
               <a:prstGeom prst="rect">
@@ -12426,7 +12424,7 @@
               <a:blipFill>
                 <a:blip r:embed="rId4"/>
                 <a:stretch>
-                  <a:fillRect l="-1537" t="-1084"/>
+                  <a:fillRect l="-1427" t="-1085"/>
                 </a:stretch>
               </a:blipFill>
             </p:spPr>
@@ -12445,8 +12443,8 @@
           </p:sp>
         </mc:Fallback>
       </mc:AlternateContent>
-      <mc:AlternateContent xmlns:mc="http://schemas.openxmlformats.org/markup-compatibility/2006" xmlns:a14="http://schemas.microsoft.com/office/drawing/2010/main">
-        <mc:Choice Requires="a14">
+      <mc:AlternateContent xmlns:mc="http://schemas.openxmlformats.org/markup-compatibility/2006">
+        <mc:Choice xmlns:a14="http://schemas.microsoft.com/office/drawing/2010/main" Requires="a14">
           <p:sp>
             <p:nvSpPr>
               <p:cNvPr id="12" name="CasellaDiTesto 11">
@@ -12461,7 +12459,7 @@
             </p:nvSpPr>
             <p:spPr>
               <a:xfrm>
-                <a:off x="6554804" y="2313341"/>
+                <a:off x="6574055" y="2254805"/>
                 <a:ext cx="4966636" cy="3447098"/>
               </a:xfrm>
               <a:prstGeom prst="rect">
@@ -13130,7 +13128,7 @@
             </p:txBody>
           </p:sp>
         </mc:Choice>
-        <mc:Fallback xmlns="">
+        <mc:Fallback>
           <p:sp>
             <p:nvSpPr>
               <p:cNvPr id="12" name="CasellaDiTesto 11">
@@ -13147,7 +13145,7 @@
             </p:nvSpPr>
             <p:spPr>
               <a:xfrm>
-                <a:off x="6554804" y="2313341"/>
+                <a:off x="6574055" y="2254805"/>
                 <a:ext cx="4966636" cy="3447098"/>
               </a:xfrm>
               <a:prstGeom prst="rect">
@@ -13156,7 +13154,7 @@
               <a:blipFill>
                 <a:blip r:embed="rId5"/>
                 <a:stretch>
-                  <a:fillRect l="-1840" t="-1413"/>
+                  <a:fillRect l="-1840" t="-1416"/>
                 </a:stretch>
               </a:blipFill>
             </p:spPr>
